--- a/docs/Deliverable 2 Presentation.pptx
+++ b/docs/Deliverable 2 Presentation.pptx
@@ -490,7 +490,7 @@
   <p:cSld>
     <p:spTree>
       <p:nvGrpSpPr>
-        <p:cNvPr id="63" name="Shape 63"/>
+        <p:cNvPr id="64" name="Shape 64"/>
         <p:cNvGrpSpPr/>
         <p:nvPr/>
       </p:nvGrpSpPr>
@@ -504,7 +504,7 @@
       </p:grpSpPr>
       <p:sp>
         <p:nvSpPr>
-          <p:cNvPr id="64" name="Shape 64"/>
+          <p:cNvPr id="65" name="Shape 65"/>
           <p:cNvSpPr/>
           <p:nvPr>
             <p:ph idx="2" type="sldImg"/>
@@ -538,7 +538,7 @@
       </p:sp>
       <p:sp>
         <p:nvSpPr>
-          <p:cNvPr id="65" name="Shape 65"/>
+          <p:cNvPr id="66" name="Shape 66"/>
           <p:cNvSpPr txBox="1"/>
           <p:nvPr>
             <p:ph idx="1" type="body"/>
@@ -585,7 +585,7 @@
   <p:cSld>
     <p:spTree>
       <p:nvGrpSpPr>
-        <p:cNvPr id="69" name="Shape 69"/>
+        <p:cNvPr id="70" name="Shape 70"/>
         <p:cNvGrpSpPr/>
         <p:nvPr/>
       </p:nvGrpSpPr>
@@ -599,7 +599,7 @@
       </p:grpSpPr>
       <p:sp>
         <p:nvSpPr>
-          <p:cNvPr id="70" name="Shape 70"/>
+          <p:cNvPr id="71" name="Shape 71"/>
           <p:cNvSpPr/>
           <p:nvPr>
             <p:ph idx="2" type="sldImg"/>
@@ -633,7 +633,7 @@
       </p:sp>
       <p:sp>
         <p:nvSpPr>
-          <p:cNvPr id="71" name="Shape 71"/>
+          <p:cNvPr id="72" name="Shape 72"/>
           <p:cNvSpPr txBox="1"/>
           <p:nvPr>
             <p:ph idx="1" type="body"/>
@@ -680,7 +680,7 @@
   <p:cSld>
     <p:spTree>
       <p:nvGrpSpPr>
-        <p:cNvPr id="76" name="Shape 76"/>
+        <p:cNvPr id="77" name="Shape 77"/>
         <p:cNvGrpSpPr/>
         <p:nvPr/>
       </p:nvGrpSpPr>
@@ -694,7 +694,7 @@
       </p:grpSpPr>
       <p:sp>
         <p:nvSpPr>
-          <p:cNvPr id="77" name="Shape 77"/>
+          <p:cNvPr id="78" name="Shape 78"/>
           <p:cNvSpPr/>
           <p:nvPr>
             <p:ph idx="2" type="sldImg"/>
@@ -728,7 +728,7 @@
       </p:sp>
       <p:sp>
         <p:nvSpPr>
-          <p:cNvPr id="78" name="Shape 78"/>
+          <p:cNvPr id="79" name="Shape 79"/>
           <p:cNvSpPr txBox="1"/>
           <p:nvPr>
             <p:ph idx="1" type="body"/>
@@ -775,7 +775,7 @@
   <p:cSld>
     <p:spTree>
       <p:nvGrpSpPr>
-        <p:cNvPr id="87" name="Shape 87"/>
+        <p:cNvPr id="88" name="Shape 88"/>
         <p:cNvGrpSpPr/>
         <p:nvPr/>
       </p:nvGrpSpPr>
@@ -789,7 +789,7 @@
       </p:grpSpPr>
       <p:sp>
         <p:nvSpPr>
-          <p:cNvPr id="88" name="Shape 88"/>
+          <p:cNvPr id="89" name="Shape 89"/>
           <p:cNvSpPr/>
           <p:nvPr>
             <p:ph idx="2" type="sldImg"/>
@@ -823,7 +823,7 @@
       </p:sp>
       <p:sp>
         <p:nvSpPr>
-          <p:cNvPr id="89" name="Shape 89"/>
+          <p:cNvPr id="90" name="Shape 90"/>
           <p:cNvSpPr txBox="1"/>
           <p:nvPr>
             <p:ph idx="1" type="body"/>
@@ -870,7 +870,7 @@
   <p:cSld>
     <p:spTree>
       <p:nvGrpSpPr>
-        <p:cNvPr id="93" name="Shape 93"/>
+        <p:cNvPr id="94" name="Shape 94"/>
         <p:cNvGrpSpPr/>
         <p:nvPr/>
       </p:nvGrpSpPr>
@@ -884,7 +884,7 @@
       </p:grpSpPr>
       <p:sp>
         <p:nvSpPr>
-          <p:cNvPr id="94" name="Shape 94"/>
+          <p:cNvPr id="95" name="Shape 95"/>
           <p:cNvSpPr/>
           <p:nvPr>
             <p:ph idx="2" type="sldImg"/>
@@ -918,7 +918,7 @@
       </p:sp>
       <p:sp>
         <p:nvSpPr>
-          <p:cNvPr id="95" name="Shape 95"/>
+          <p:cNvPr id="96" name="Shape 96"/>
           <p:cNvSpPr txBox="1"/>
           <p:nvPr>
             <p:ph idx="1" type="body"/>
@@ -965,7 +965,7 @@
   <p:cSld>
     <p:spTree>
       <p:nvGrpSpPr>
-        <p:cNvPr id="102" name="Shape 102"/>
+        <p:cNvPr id="103" name="Shape 103"/>
         <p:cNvGrpSpPr/>
         <p:nvPr/>
       </p:nvGrpSpPr>
@@ -979,7 +979,7 @@
       </p:grpSpPr>
       <p:sp>
         <p:nvSpPr>
-          <p:cNvPr id="103" name="Shape 103"/>
+          <p:cNvPr id="104" name="Shape 104"/>
           <p:cNvSpPr/>
           <p:nvPr>
             <p:ph idx="2" type="sldImg"/>
@@ -1013,7 +1013,7 @@
       </p:sp>
       <p:sp>
         <p:nvSpPr>
-          <p:cNvPr id="104" name="Shape 104"/>
+          <p:cNvPr id="105" name="Shape 105"/>
           <p:cNvSpPr txBox="1"/>
           <p:nvPr>
             <p:ph idx="1" type="body"/>
@@ -1060,7 +1060,7 @@
   <p:cSld>
     <p:spTree>
       <p:nvGrpSpPr>
-        <p:cNvPr id="108" name="Shape 108"/>
+        <p:cNvPr id="109" name="Shape 109"/>
         <p:cNvGrpSpPr/>
         <p:nvPr/>
       </p:nvGrpSpPr>
@@ -1074,7 +1074,7 @@
       </p:grpSpPr>
       <p:sp>
         <p:nvSpPr>
-          <p:cNvPr id="109" name="Shape 109"/>
+          <p:cNvPr id="110" name="Shape 110"/>
           <p:cNvSpPr/>
           <p:nvPr>
             <p:ph idx="2" type="sldImg"/>
@@ -1108,7 +1108,7 @@
       </p:sp>
       <p:sp>
         <p:nvSpPr>
-          <p:cNvPr id="110" name="Shape 110"/>
+          <p:cNvPr id="111" name="Shape 111"/>
           <p:cNvSpPr txBox="1"/>
           <p:nvPr>
             <p:ph idx="1" type="body"/>
@@ -1155,7 +1155,7 @@
   <p:cSld>
     <p:spTree>
       <p:nvGrpSpPr>
-        <p:cNvPr id="114" name="Shape 114"/>
+        <p:cNvPr id="115" name="Shape 115"/>
         <p:cNvGrpSpPr/>
         <p:nvPr/>
       </p:nvGrpSpPr>
@@ -1169,7 +1169,7 @@
       </p:grpSpPr>
       <p:sp>
         <p:nvSpPr>
-          <p:cNvPr id="115" name="Shape 115"/>
+          <p:cNvPr id="116" name="Shape 116"/>
           <p:cNvSpPr/>
           <p:nvPr>
             <p:ph idx="2" type="sldImg"/>
@@ -1203,7 +1203,7 @@
       </p:sp>
       <p:sp>
         <p:nvSpPr>
-          <p:cNvPr id="116" name="Shape 116"/>
+          <p:cNvPr id="117" name="Shape 117"/>
           <p:cNvSpPr txBox="1"/>
           <p:nvPr>
             <p:ph idx="1" type="body"/>
@@ -5161,6 +5161,42 @@
           </a:p>
         </p:txBody>
       </p:sp>
+      <p:sp>
+        <p:nvSpPr>
+          <p:cNvPr id="63" name="Shape 63"/>
+          <p:cNvSpPr txBox="1"/>
+          <p:nvPr>
+            <p:ph idx="1" type="subTitle"/>
+          </p:nvPr>
+        </p:nvSpPr>
+        <p:spPr>
+          <a:xfrm>
+            <a:off x="3044700" y="3116580"/>
+            <a:ext cx="3054600" cy="701400"/>
+          </a:xfrm>
+          <a:prstGeom prst="rect">
+            <a:avLst/>
+          </a:prstGeom>
+        </p:spPr>
+        <p:txBody>
+          <a:bodyPr anchorCtr="0" anchor="t" bIns="91425" lIns="91425" rIns="91425" tIns="91425">
+            <a:noAutofit/>
+          </a:bodyPr>
+          <a:lstStyle/>
+          <a:p>
+            <a:pPr lvl="0">
+              <a:spcBef>
+                <a:spcPts val="0"/>
+              </a:spcBef>
+              <a:buNone/>
+            </a:pPr>
+            <a:r>
+              <a:rPr lang="en"/>
+              <a:t>Team 3</a:t>
+            </a:r>
+          </a:p>
+        </p:txBody>
+      </p:sp>
     </p:spTree>
   </p:cSld>
   <p:clrMapOvr>
@@ -5177,7 +5213,7 @@
   <p:cSld>
     <p:spTree>
       <p:nvGrpSpPr>
-        <p:cNvPr id="66" name="Shape 66"/>
+        <p:cNvPr id="67" name="Shape 67"/>
         <p:cNvGrpSpPr/>
         <p:nvPr/>
       </p:nvGrpSpPr>
@@ -5191,7 +5227,7 @@
       </p:grpSpPr>
       <p:sp>
         <p:nvSpPr>
-          <p:cNvPr id="67" name="Shape 67"/>
+          <p:cNvPr id="68" name="Shape 68"/>
           <p:cNvSpPr txBox="1"/>
           <p:nvPr>
             <p:ph type="ctrTitle"/>
@@ -5227,7 +5263,7 @@
       </p:sp>
       <p:sp>
         <p:nvSpPr>
-          <p:cNvPr id="68" name="Shape 68"/>
+          <p:cNvPr id="69" name="Shape 69"/>
           <p:cNvSpPr txBox="1"/>
           <p:nvPr>
             <p:ph idx="1" type="subTitle"/>
@@ -5277,7 +5313,7 @@
   <p:cSld>
     <p:spTree>
       <p:nvGrpSpPr>
-        <p:cNvPr id="72" name="Shape 72"/>
+        <p:cNvPr id="73" name="Shape 73"/>
         <p:cNvGrpSpPr/>
         <p:nvPr/>
       </p:nvGrpSpPr>
@@ -5291,7 +5327,7 @@
       </p:grpSpPr>
       <p:pic>
         <p:nvPicPr>
-          <p:cNvPr id="73" name="Shape 73"/>
+          <p:cNvPr id="74" name="Shape 74"/>
           <p:cNvPicPr preferRelativeResize="0"/>
           <p:nvPr/>
         </p:nvPicPr>
@@ -5319,7 +5355,7 @@
       </p:pic>
       <p:pic>
         <p:nvPicPr>
-          <p:cNvPr id="74" name="Shape 74"/>
+          <p:cNvPr id="75" name="Shape 75"/>
           <p:cNvPicPr preferRelativeResize="0"/>
           <p:nvPr/>
         </p:nvPicPr>
@@ -5347,7 +5383,7 @@
       </p:pic>
       <p:sp>
         <p:nvSpPr>
-          <p:cNvPr id="75" name="Shape 75"/>
+          <p:cNvPr id="76" name="Shape 76"/>
           <p:cNvSpPr txBox="1"/>
           <p:nvPr>
             <p:ph type="title"/>
@@ -5397,7 +5433,7 @@
   <p:cSld>
     <p:spTree>
       <p:nvGrpSpPr>
-        <p:cNvPr id="79" name="Shape 79"/>
+        <p:cNvPr id="80" name="Shape 80"/>
         <p:cNvGrpSpPr/>
         <p:nvPr/>
       </p:nvGrpSpPr>
@@ -5411,7 +5447,7 @@
       </p:grpSpPr>
       <p:sp>
         <p:nvSpPr>
-          <p:cNvPr id="80" name="Shape 80"/>
+          <p:cNvPr id="81" name="Shape 81"/>
           <p:cNvSpPr/>
           <p:nvPr/>
         </p:nvSpPr>
@@ -5461,7 +5497,7 @@
       </p:sp>
       <p:sp>
         <p:nvSpPr>
-          <p:cNvPr id="81" name="Shape 81"/>
+          <p:cNvPr id="82" name="Shape 82"/>
           <p:cNvSpPr/>
           <p:nvPr/>
         </p:nvSpPr>
@@ -5511,7 +5547,7 @@
       </p:sp>
       <p:sp>
         <p:nvSpPr>
-          <p:cNvPr id="82" name="Shape 82"/>
+          <p:cNvPr id="83" name="Shape 83"/>
           <p:cNvSpPr/>
           <p:nvPr/>
         </p:nvSpPr>
@@ -5561,10 +5597,10 @@
       </p:sp>
       <p:cxnSp>
         <p:nvCxnSpPr>
-          <p:cNvPr id="83" name="Shape 83"/>
+          <p:cNvPr id="84" name="Shape 84"/>
           <p:cNvCxnSpPr>
-            <a:stCxn id="80" idx="3"/>
-            <a:endCxn id="82" idx="1"/>
+            <a:stCxn id="81" idx="3"/>
+            <a:endCxn id="83" idx="1"/>
           </p:cNvCxnSpPr>
           <p:nvPr/>
         </p:nvCxnSpPr>
@@ -5590,10 +5626,10 @@
       </p:cxnSp>
       <p:cxnSp>
         <p:nvCxnSpPr>
-          <p:cNvPr id="84" name="Shape 84"/>
+          <p:cNvPr id="85" name="Shape 85"/>
           <p:cNvCxnSpPr>
-            <a:stCxn id="80" idx="2"/>
-            <a:endCxn id="81" idx="1"/>
+            <a:stCxn id="81" idx="2"/>
+            <a:endCxn id="82" idx="1"/>
           </p:cNvCxnSpPr>
           <p:nvPr/>
         </p:nvCxnSpPr>
@@ -5619,10 +5655,10 @@
       </p:cxnSp>
       <p:cxnSp>
         <p:nvCxnSpPr>
-          <p:cNvPr id="85" name="Shape 85"/>
+          <p:cNvPr id="86" name="Shape 86"/>
           <p:cNvCxnSpPr>
-            <a:stCxn id="81" idx="3"/>
-            <a:endCxn id="82" idx="2"/>
+            <a:stCxn id="82" idx="3"/>
+            <a:endCxn id="83" idx="2"/>
           </p:cNvCxnSpPr>
           <p:nvPr/>
         </p:nvCxnSpPr>
@@ -5648,7 +5684,7 @@
       </p:cxnSp>
       <p:sp>
         <p:nvSpPr>
-          <p:cNvPr id="86" name="Shape 86"/>
+          <p:cNvPr id="87" name="Shape 87"/>
           <p:cNvSpPr txBox="1"/>
           <p:nvPr>
             <p:ph type="title"/>
@@ -5698,7 +5734,7 @@
   <p:cSld>
     <p:spTree>
       <p:nvGrpSpPr>
-        <p:cNvPr id="90" name="Shape 90"/>
+        <p:cNvPr id="91" name="Shape 91"/>
         <p:cNvGrpSpPr/>
         <p:nvPr/>
       </p:nvGrpSpPr>
@@ -5712,7 +5748,7 @@
       </p:grpSpPr>
       <p:sp>
         <p:nvSpPr>
-          <p:cNvPr id="91" name="Shape 91"/>
+          <p:cNvPr id="92" name="Shape 92"/>
           <p:cNvSpPr txBox="1"/>
           <p:nvPr>
             <p:ph type="title"/>
@@ -5748,7 +5784,7 @@
       </p:sp>
       <p:pic>
         <p:nvPicPr>
-          <p:cNvPr id="92" name="Shape 92"/>
+          <p:cNvPr id="93" name="Shape 93"/>
           <p:cNvPicPr preferRelativeResize="0"/>
           <p:nvPr/>
         </p:nvPicPr>
@@ -5790,7 +5826,7 @@
   <p:cSld>
     <p:spTree>
       <p:nvGrpSpPr>
-        <p:cNvPr id="96" name="Shape 96"/>
+        <p:cNvPr id="97" name="Shape 97"/>
         <p:cNvGrpSpPr/>
         <p:nvPr/>
       </p:nvGrpSpPr>
@@ -5804,7 +5840,7 @@
       </p:grpSpPr>
       <p:sp>
         <p:nvSpPr>
-          <p:cNvPr id="97" name="Shape 97"/>
+          <p:cNvPr id="98" name="Shape 98"/>
           <p:cNvSpPr txBox="1"/>
           <p:nvPr/>
         </p:nvSpPr>
@@ -5862,7 +5898,7 @@
       </p:sp>
       <p:pic>
         <p:nvPicPr>
-          <p:cNvPr id="98" name="Shape 98"/>
+          <p:cNvPr id="99" name="Shape 99"/>
           <p:cNvPicPr preferRelativeResize="0"/>
           <p:nvPr/>
         </p:nvPicPr>
@@ -5890,7 +5926,7 @@
       </p:pic>
       <p:pic>
         <p:nvPicPr>
-          <p:cNvPr id="99" name="Shape 99"/>
+          <p:cNvPr id="100" name="Shape 100"/>
           <p:cNvPicPr preferRelativeResize="0"/>
           <p:nvPr/>
         </p:nvPicPr>
@@ -5918,7 +5954,7 @@
       </p:pic>
       <p:sp>
         <p:nvSpPr>
-          <p:cNvPr id="100" name="Shape 100"/>
+          <p:cNvPr id="101" name="Shape 101"/>
           <p:cNvSpPr txBox="1"/>
           <p:nvPr/>
         </p:nvSpPr>
@@ -5964,7 +6000,7 @@
       </p:sp>
       <p:sp>
         <p:nvSpPr>
-          <p:cNvPr id="101" name="Shape 101"/>
+          <p:cNvPr id="102" name="Shape 102"/>
           <p:cNvSpPr txBox="1"/>
           <p:nvPr>
             <p:ph type="title"/>
@@ -6014,7 +6050,7 @@
   <p:cSld>
     <p:spTree>
       <p:nvGrpSpPr>
-        <p:cNvPr id="105" name="Shape 105"/>
+        <p:cNvPr id="106" name="Shape 106"/>
         <p:cNvGrpSpPr/>
         <p:nvPr/>
       </p:nvGrpSpPr>
@@ -6028,7 +6064,7 @@
       </p:grpSpPr>
       <p:pic>
         <p:nvPicPr>
-          <p:cNvPr id="106" name="Shape 106"/>
+          <p:cNvPr id="107" name="Shape 107"/>
           <p:cNvPicPr preferRelativeResize="0"/>
           <p:nvPr/>
         </p:nvPicPr>
@@ -6055,7 +6091,7 @@
       </p:pic>
       <p:sp>
         <p:nvSpPr>
-          <p:cNvPr id="107" name="Shape 107"/>
+          <p:cNvPr id="108" name="Shape 108"/>
           <p:cNvSpPr txBox="1"/>
           <p:nvPr>
             <p:ph type="title"/>
@@ -6105,7 +6141,7 @@
   <p:cSld>
     <p:spTree>
       <p:nvGrpSpPr>
-        <p:cNvPr id="111" name="Shape 111"/>
+        <p:cNvPr id="112" name="Shape 112"/>
         <p:cNvGrpSpPr/>
         <p:nvPr/>
       </p:nvGrpSpPr>
@@ -6119,7 +6155,7 @@
       </p:grpSpPr>
       <p:sp>
         <p:nvSpPr>
-          <p:cNvPr id="112" name="Shape 112"/>
+          <p:cNvPr id="113" name="Shape 113"/>
           <p:cNvSpPr txBox="1"/>
           <p:nvPr>
             <p:ph type="title"/>
@@ -6155,7 +6191,7 @@
       </p:sp>
       <p:pic>
         <p:nvPicPr>
-          <p:cNvPr id="113" name="Shape 113"/>
+          <p:cNvPr id="114" name="Shape 114"/>
           <p:cNvPicPr preferRelativeResize="0"/>
           <p:nvPr/>
         </p:nvPicPr>
@@ -6197,7 +6233,7 @@
   <p:cSld>
     <p:spTree>
       <p:nvGrpSpPr>
-        <p:cNvPr id="117" name="Shape 117"/>
+        <p:cNvPr id="118" name="Shape 118"/>
         <p:cNvGrpSpPr/>
         <p:nvPr/>
       </p:nvGrpSpPr>
@@ -6211,7 +6247,7 @@
       </p:grpSpPr>
       <p:sp>
         <p:nvSpPr>
-          <p:cNvPr id="118" name="Shape 118"/>
+          <p:cNvPr id="119" name="Shape 119"/>
           <p:cNvSpPr txBox="1"/>
           <p:nvPr>
             <p:ph type="ctrTitle"/>
@@ -6247,7 +6283,7 @@
       </p:sp>
       <p:sp>
         <p:nvSpPr>
-          <p:cNvPr id="119" name="Shape 119"/>
+          <p:cNvPr id="120" name="Shape 120"/>
           <p:cNvSpPr txBox="1"/>
           <p:nvPr>
             <p:ph idx="1" type="subTitle"/>
